--- a/Figures and Paper/Figure PPTs/Dumbbell Figure.pptx
+++ b/Figures and Paper/Figure PPTs/Dumbbell Figure.pptx
@@ -2,12 +2,12 @@
 <file path=ppt/presentation.xml><?xml version="1.0" encoding="utf-8"?>
 <p:presentation xmlns:a="http://schemas.openxmlformats.org/drawingml/2006/main" xmlns:r="http://schemas.openxmlformats.org/officeDocument/2006/relationships" xmlns:p="http://schemas.openxmlformats.org/presentationml/2006/main" saveSubsetFonts="1">
   <p:sldMasterIdLst>
-    <p:sldMasterId id="2147483660" r:id="rId1"/>
+    <p:sldMasterId id="2147483696" r:id="rId1"/>
   </p:sldMasterIdLst>
   <p:sldIdLst>
     <p:sldId id="257" r:id="rId2"/>
   </p:sldIdLst>
-  <p:sldSz cx="6858000" cy="12192000"/>
+  <p:sldSz cx="6858000" cy="9829800"/>
   <p:notesSz cx="6858000" cy="9144000"/>
   <p:defaultTextStyle>
     <a:defPPr>
@@ -141,8 +141,8 @@
         </p:nvSpPr>
         <p:spPr>
           <a:xfrm>
-            <a:off x="514350" y="1995313"/>
-            <a:ext cx="5829300" cy="4244622"/>
+            <a:off x="514350" y="1608720"/>
+            <a:ext cx="5829300" cy="3422227"/>
           </a:xfrm>
         </p:spPr>
         <p:txBody>
@@ -173,8 +173,8 @@
         </p:nvSpPr>
         <p:spPr>
           <a:xfrm>
-            <a:off x="857250" y="6403624"/>
-            <a:ext cx="5143500" cy="2943576"/>
+            <a:off x="857250" y="5162921"/>
+            <a:ext cx="5143500" cy="2373259"/>
           </a:xfrm>
         </p:spPr>
         <p:txBody>
@@ -184,35 +184,35 @@
               <a:buNone/>
               <a:defRPr sz="1800"/>
             </a:lvl1pPr>
-            <a:lvl2pPr marL="342887" indent="0" algn="ctr">
+            <a:lvl2pPr marL="342900" indent="0" algn="ctr">
               <a:buNone/>
               <a:defRPr sz="1500"/>
             </a:lvl2pPr>
-            <a:lvl3pPr marL="685774" indent="0" algn="ctr">
+            <a:lvl3pPr marL="685800" indent="0" algn="ctr">
               <a:buNone/>
               <a:defRPr sz="1350"/>
             </a:lvl3pPr>
-            <a:lvl4pPr marL="1028663" indent="0" algn="ctr">
+            <a:lvl4pPr marL="1028700" indent="0" algn="ctr">
               <a:buNone/>
               <a:defRPr sz="1200"/>
             </a:lvl4pPr>
-            <a:lvl5pPr marL="1371548" indent="0" algn="ctr">
+            <a:lvl5pPr marL="1371600" indent="0" algn="ctr">
               <a:buNone/>
               <a:defRPr sz="1200"/>
             </a:lvl5pPr>
-            <a:lvl6pPr marL="1714436" indent="0" algn="ctr">
+            <a:lvl6pPr marL="1714500" indent="0" algn="ctr">
               <a:buNone/>
               <a:defRPr sz="1200"/>
             </a:lvl6pPr>
-            <a:lvl7pPr marL="2057323" indent="0" algn="ctr">
+            <a:lvl7pPr marL="2057400" indent="0" algn="ctr">
               <a:buNone/>
               <a:defRPr sz="1200"/>
             </a:lvl7pPr>
-            <a:lvl8pPr marL="2400210" indent="0" algn="ctr">
+            <a:lvl8pPr marL="2400300" indent="0" algn="ctr">
               <a:buNone/>
               <a:defRPr sz="1200"/>
             </a:lvl8pPr>
-            <a:lvl9pPr marL="2743097" indent="0" algn="ctr">
+            <a:lvl9pPr marL="2743200" indent="0" algn="ctr">
               <a:buNone/>
               <a:defRPr sz="1200"/>
             </a:lvl9pPr>
@@ -243,7 +243,7 @@
           <a:p>
             <a:fld id="{3FB3755E-8342-471F-B2E3-9F071BFEFED8}" type="datetimeFigureOut">
               <a:rPr lang="en-US" smtClean="0"/>
-              <a:t>8/9/2022</a:t>
+              <a:t>9/14/2022</a:t>
             </a:fld>
             <a:endParaRPr lang="en-US"/>
           </a:p>
@@ -294,7 +294,7 @@
     </p:spTree>
     <p:extLst>
       <p:ext uri="{BB962C8B-B14F-4D97-AF65-F5344CB8AC3E}">
-        <p14:creationId xmlns:p14="http://schemas.microsoft.com/office/powerpoint/2010/main" val="2565993476"/>
+        <p14:creationId xmlns:p14="http://schemas.microsoft.com/office/powerpoint/2010/main" val="3576084070"/>
       </p:ext>
     </p:extLst>
   </p:cSld>
@@ -413,7 +413,7 @@
           <a:p>
             <a:fld id="{3FB3755E-8342-471F-B2E3-9F071BFEFED8}" type="datetimeFigureOut">
               <a:rPr lang="en-US" smtClean="0"/>
-              <a:t>8/9/2022</a:t>
+              <a:t>9/14/2022</a:t>
             </a:fld>
             <a:endParaRPr lang="en-US"/>
           </a:p>
@@ -464,7 +464,7 @@
     </p:spTree>
     <p:extLst>
       <p:ext uri="{BB962C8B-B14F-4D97-AF65-F5344CB8AC3E}">
-        <p14:creationId xmlns:p14="http://schemas.microsoft.com/office/powerpoint/2010/main" val="3131423090"/>
+        <p14:creationId xmlns:p14="http://schemas.microsoft.com/office/powerpoint/2010/main" val="682240187"/>
       </p:ext>
     </p:extLst>
   </p:cSld>
@@ -503,8 +503,8 @@
         </p:nvSpPr>
         <p:spPr>
           <a:xfrm>
-            <a:off x="4907756" y="649111"/>
-            <a:ext cx="1478756" cy="10332156"/>
+            <a:off x="4907757" y="523346"/>
+            <a:ext cx="1478756" cy="8330301"/>
           </a:xfrm>
         </p:spPr>
         <p:txBody>
@@ -531,8 +531,8 @@
         </p:nvSpPr>
         <p:spPr>
           <a:xfrm>
-            <a:off x="471487" y="649111"/>
-            <a:ext cx="4350544" cy="10332156"/>
+            <a:off x="471488" y="523346"/>
+            <a:ext cx="4350544" cy="8330301"/>
           </a:xfrm>
         </p:spPr>
         <p:txBody>
@@ -593,7 +593,7 @@
           <a:p>
             <a:fld id="{3FB3755E-8342-471F-B2E3-9F071BFEFED8}" type="datetimeFigureOut">
               <a:rPr lang="en-US" smtClean="0"/>
-              <a:t>8/9/2022</a:t>
+              <a:t>9/14/2022</a:t>
             </a:fld>
             <a:endParaRPr lang="en-US"/>
           </a:p>
@@ -644,7 +644,7 @@
     </p:spTree>
     <p:extLst>
       <p:ext uri="{BB962C8B-B14F-4D97-AF65-F5344CB8AC3E}">
-        <p14:creationId xmlns:p14="http://schemas.microsoft.com/office/powerpoint/2010/main" val="2528524133"/>
+        <p14:creationId xmlns:p14="http://schemas.microsoft.com/office/powerpoint/2010/main" val="82118859"/>
       </p:ext>
     </p:extLst>
   </p:cSld>
@@ -763,7 +763,7 @@
           <a:p>
             <a:fld id="{3FB3755E-8342-471F-B2E3-9F071BFEFED8}" type="datetimeFigureOut">
               <a:rPr lang="en-US" smtClean="0"/>
-              <a:t>8/9/2022</a:t>
+              <a:t>9/14/2022</a:t>
             </a:fld>
             <a:endParaRPr lang="en-US"/>
           </a:p>
@@ -814,7 +814,7 @@
     </p:spTree>
     <p:extLst>
       <p:ext uri="{BB962C8B-B14F-4D97-AF65-F5344CB8AC3E}">
-        <p14:creationId xmlns:p14="http://schemas.microsoft.com/office/powerpoint/2010/main" val="3579126475"/>
+        <p14:creationId xmlns:p14="http://schemas.microsoft.com/office/powerpoint/2010/main" val="3061739920"/>
       </p:ext>
     </p:extLst>
   </p:cSld>
@@ -853,8 +853,8 @@
         </p:nvSpPr>
         <p:spPr>
           <a:xfrm>
-            <a:off x="467919" y="3039538"/>
-            <a:ext cx="5915025" cy="5071532"/>
+            <a:off x="467916" y="2450627"/>
+            <a:ext cx="5915025" cy="4088923"/>
           </a:xfrm>
         </p:spPr>
         <p:txBody>
@@ -885,8 +885,8 @@
         </p:nvSpPr>
         <p:spPr>
           <a:xfrm>
-            <a:off x="467919" y="8159051"/>
-            <a:ext cx="5915025" cy="2666999"/>
+            <a:off x="467916" y="6578232"/>
+            <a:ext cx="5915025" cy="2150268"/>
           </a:xfrm>
         </p:spPr>
         <p:txBody>
@@ -900,7 +900,7 @@
                 </a:solidFill>
               </a:defRPr>
             </a:lvl1pPr>
-            <a:lvl2pPr marL="342887" indent="0">
+            <a:lvl2pPr marL="342900" indent="0">
               <a:buNone/>
               <a:defRPr sz="1500">
                 <a:solidFill>
@@ -910,7 +910,7 @@
                 </a:solidFill>
               </a:defRPr>
             </a:lvl2pPr>
-            <a:lvl3pPr marL="685774" indent="0">
+            <a:lvl3pPr marL="685800" indent="0">
               <a:buNone/>
               <a:defRPr sz="1350">
                 <a:solidFill>
@@ -920,7 +920,7 @@
                 </a:solidFill>
               </a:defRPr>
             </a:lvl3pPr>
-            <a:lvl4pPr marL="1028663" indent="0">
+            <a:lvl4pPr marL="1028700" indent="0">
               <a:buNone/>
               <a:defRPr sz="1200">
                 <a:solidFill>
@@ -930,7 +930,7 @@
                 </a:solidFill>
               </a:defRPr>
             </a:lvl4pPr>
-            <a:lvl5pPr marL="1371548" indent="0">
+            <a:lvl5pPr marL="1371600" indent="0">
               <a:buNone/>
               <a:defRPr sz="1200">
                 <a:solidFill>
@@ -940,7 +940,7 @@
                 </a:solidFill>
               </a:defRPr>
             </a:lvl5pPr>
-            <a:lvl6pPr marL="1714436" indent="0">
+            <a:lvl6pPr marL="1714500" indent="0">
               <a:buNone/>
               <a:defRPr sz="1200">
                 <a:solidFill>
@@ -950,7 +950,7 @@
                 </a:solidFill>
               </a:defRPr>
             </a:lvl6pPr>
-            <a:lvl7pPr marL="2057323" indent="0">
+            <a:lvl7pPr marL="2057400" indent="0">
               <a:buNone/>
               <a:defRPr sz="1200">
                 <a:solidFill>
@@ -960,7 +960,7 @@
                 </a:solidFill>
               </a:defRPr>
             </a:lvl7pPr>
-            <a:lvl8pPr marL="2400210" indent="0">
+            <a:lvl8pPr marL="2400300" indent="0">
               <a:buNone/>
               <a:defRPr sz="1200">
                 <a:solidFill>
@@ -970,7 +970,7 @@
                 </a:solidFill>
               </a:defRPr>
             </a:lvl8pPr>
-            <a:lvl9pPr marL="2743097" indent="0">
+            <a:lvl9pPr marL="2743200" indent="0">
               <a:buNone/>
               <a:defRPr sz="1200">
                 <a:solidFill>
@@ -1007,7 +1007,7 @@
           <a:p>
             <a:fld id="{3FB3755E-8342-471F-B2E3-9F071BFEFED8}" type="datetimeFigureOut">
               <a:rPr lang="en-US" smtClean="0"/>
-              <a:t>8/9/2022</a:t>
+              <a:t>9/14/2022</a:t>
             </a:fld>
             <a:endParaRPr lang="en-US"/>
           </a:p>
@@ -1058,7 +1058,7 @@
     </p:spTree>
     <p:extLst>
       <p:ext uri="{BB962C8B-B14F-4D97-AF65-F5344CB8AC3E}">
-        <p14:creationId xmlns:p14="http://schemas.microsoft.com/office/powerpoint/2010/main" val="3356151236"/>
+        <p14:creationId xmlns:p14="http://schemas.microsoft.com/office/powerpoint/2010/main" val="444585086"/>
       </p:ext>
     </p:extLst>
   </p:cSld>
@@ -1120,8 +1120,8 @@
         </p:nvSpPr>
         <p:spPr>
           <a:xfrm>
-            <a:off x="471488" y="3245557"/>
-            <a:ext cx="2914650" cy="7735712"/>
+            <a:off x="471488" y="2616729"/>
+            <a:ext cx="2914650" cy="6236918"/>
           </a:xfrm>
         </p:spPr>
         <p:txBody>
@@ -1177,8 +1177,8 @@
         </p:nvSpPr>
         <p:spPr>
           <a:xfrm>
-            <a:off x="3471863" y="3245557"/>
-            <a:ext cx="2914650" cy="7735712"/>
+            <a:off x="3471863" y="2616729"/>
+            <a:ext cx="2914650" cy="6236918"/>
           </a:xfrm>
         </p:spPr>
         <p:txBody>
@@ -1239,7 +1239,7 @@
           <a:p>
             <a:fld id="{3FB3755E-8342-471F-B2E3-9F071BFEFED8}" type="datetimeFigureOut">
               <a:rPr lang="en-US" smtClean="0"/>
-              <a:t>8/9/2022</a:t>
+              <a:t>9/14/2022</a:t>
             </a:fld>
             <a:endParaRPr lang="en-US"/>
           </a:p>
@@ -1290,7 +1290,7 @@
     </p:spTree>
     <p:extLst>
       <p:ext uri="{BB962C8B-B14F-4D97-AF65-F5344CB8AC3E}">
-        <p14:creationId xmlns:p14="http://schemas.microsoft.com/office/powerpoint/2010/main" val="4016613876"/>
+        <p14:creationId xmlns:p14="http://schemas.microsoft.com/office/powerpoint/2010/main" val="2347250559"/>
       </p:ext>
     </p:extLst>
   </p:cSld>
@@ -1329,8 +1329,8 @@
         </p:nvSpPr>
         <p:spPr>
           <a:xfrm>
-            <a:off x="472384" y="649115"/>
-            <a:ext cx="5915025" cy="2356556"/>
+            <a:off x="472381" y="523348"/>
+            <a:ext cx="5915025" cy="1899974"/>
           </a:xfrm>
         </p:spPr>
         <p:txBody>
@@ -1357,8 +1357,8 @@
         </p:nvSpPr>
         <p:spPr>
           <a:xfrm>
-            <a:off x="472382" y="2988734"/>
-            <a:ext cx="2901255" cy="1464732"/>
+            <a:off x="472381" y="2409667"/>
+            <a:ext cx="2901255" cy="1180941"/>
           </a:xfrm>
         </p:spPr>
         <p:txBody>
@@ -1368,35 +1368,35 @@
               <a:buNone/>
               <a:defRPr sz="1800" b="1"/>
             </a:lvl1pPr>
-            <a:lvl2pPr marL="342887" indent="0">
+            <a:lvl2pPr marL="342900" indent="0">
               <a:buNone/>
               <a:defRPr sz="1500" b="1"/>
             </a:lvl2pPr>
-            <a:lvl3pPr marL="685774" indent="0">
+            <a:lvl3pPr marL="685800" indent="0">
               <a:buNone/>
               <a:defRPr sz="1350" b="1"/>
             </a:lvl3pPr>
-            <a:lvl4pPr marL="1028663" indent="0">
+            <a:lvl4pPr marL="1028700" indent="0">
               <a:buNone/>
               <a:defRPr sz="1200" b="1"/>
             </a:lvl4pPr>
-            <a:lvl5pPr marL="1371548" indent="0">
+            <a:lvl5pPr marL="1371600" indent="0">
               <a:buNone/>
               <a:defRPr sz="1200" b="1"/>
             </a:lvl5pPr>
-            <a:lvl6pPr marL="1714436" indent="0">
+            <a:lvl6pPr marL="1714500" indent="0">
               <a:buNone/>
               <a:defRPr sz="1200" b="1"/>
             </a:lvl6pPr>
-            <a:lvl7pPr marL="2057323" indent="0">
+            <a:lvl7pPr marL="2057400" indent="0">
               <a:buNone/>
               <a:defRPr sz="1200" b="1"/>
             </a:lvl7pPr>
-            <a:lvl8pPr marL="2400210" indent="0">
+            <a:lvl8pPr marL="2400300" indent="0">
               <a:buNone/>
               <a:defRPr sz="1200" b="1"/>
             </a:lvl8pPr>
-            <a:lvl9pPr marL="2743097" indent="0">
+            <a:lvl9pPr marL="2743200" indent="0">
               <a:buNone/>
               <a:defRPr sz="1200" b="1"/>
             </a:lvl9pPr>
@@ -1422,8 +1422,8 @@
         </p:nvSpPr>
         <p:spPr>
           <a:xfrm>
-            <a:off x="472382" y="4453469"/>
-            <a:ext cx="2901255" cy="6550379"/>
+            <a:off x="472381" y="3590607"/>
+            <a:ext cx="2901255" cy="5281243"/>
           </a:xfrm>
         </p:spPr>
         <p:txBody>
@@ -1479,8 +1479,8 @@
         </p:nvSpPr>
         <p:spPr>
           <a:xfrm>
-            <a:off x="3471866" y="2988734"/>
-            <a:ext cx="2915543" cy="1464732"/>
+            <a:off x="3471863" y="2409667"/>
+            <a:ext cx="2915543" cy="1180941"/>
           </a:xfrm>
         </p:spPr>
         <p:txBody>
@@ -1490,35 +1490,35 @@
               <a:buNone/>
               <a:defRPr sz="1800" b="1"/>
             </a:lvl1pPr>
-            <a:lvl2pPr marL="342887" indent="0">
+            <a:lvl2pPr marL="342900" indent="0">
               <a:buNone/>
               <a:defRPr sz="1500" b="1"/>
             </a:lvl2pPr>
-            <a:lvl3pPr marL="685774" indent="0">
+            <a:lvl3pPr marL="685800" indent="0">
               <a:buNone/>
               <a:defRPr sz="1350" b="1"/>
             </a:lvl3pPr>
-            <a:lvl4pPr marL="1028663" indent="0">
+            <a:lvl4pPr marL="1028700" indent="0">
               <a:buNone/>
               <a:defRPr sz="1200" b="1"/>
             </a:lvl4pPr>
-            <a:lvl5pPr marL="1371548" indent="0">
+            <a:lvl5pPr marL="1371600" indent="0">
               <a:buNone/>
               <a:defRPr sz="1200" b="1"/>
             </a:lvl5pPr>
-            <a:lvl6pPr marL="1714436" indent="0">
+            <a:lvl6pPr marL="1714500" indent="0">
               <a:buNone/>
               <a:defRPr sz="1200" b="1"/>
             </a:lvl6pPr>
-            <a:lvl7pPr marL="2057323" indent="0">
+            <a:lvl7pPr marL="2057400" indent="0">
               <a:buNone/>
               <a:defRPr sz="1200" b="1"/>
             </a:lvl7pPr>
-            <a:lvl8pPr marL="2400210" indent="0">
+            <a:lvl8pPr marL="2400300" indent="0">
               <a:buNone/>
               <a:defRPr sz="1200" b="1"/>
             </a:lvl8pPr>
-            <a:lvl9pPr marL="2743097" indent="0">
+            <a:lvl9pPr marL="2743200" indent="0">
               <a:buNone/>
               <a:defRPr sz="1200" b="1"/>
             </a:lvl9pPr>
@@ -1544,8 +1544,8 @@
         </p:nvSpPr>
         <p:spPr>
           <a:xfrm>
-            <a:off x="3471866" y="4453469"/>
-            <a:ext cx="2915543" cy="6550379"/>
+            <a:off x="3471863" y="3590607"/>
+            <a:ext cx="2915543" cy="5281243"/>
           </a:xfrm>
         </p:spPr>
         <p:txBody>
@@ -1606,7 +1606,7 @@
           <a:p>
             <a:fld id="{3FB3755E-8342-471F-B2E3-9F071BFEFED8}" type="datetimeFigureOut">
               <a:rPr lang="en-US" smtClean="0"/>
-              <a:t>8/9/2022</a:t>
+              <a:t>9/14/2022</a:t>
             </a:fld>
             <a:endParaRPr lang="en-US"/>
           </a:p>
@@ -1657,7 +1657,7 @@
     </p:spTree>
     <p:extLst>
       <p:ext uri="{BB962C8B-B14F-4D97-AF65-F5344CB8AC3E}">
-        <p14:creationId xmlns:p14="http://schemas.microsoft.com/office/powerpoint/2010/main" val="487830126"/>
+        <p14:creationId xmlns:p14="http://schemas.microsoft.com/office/powerpoint/2010/main" val="4167309279"/>
       </p:ext>
     </p:extLst>
   </p:cSld>
@@ -1724,7 +1724,7 @@
           <a:p>
             <a:fld id="{3FB3755E-8342-471F-B2E3-9F071BFEFED8}" type="datetimeFigureOut">
               <a:rPr lang="en-US" smtClean="0"/>
-              <a:t>8/9/2022</a:t>
+              <a:t>9/14/2022</a:t>
             </a:fld>
             <a:endParaRPr lang="en-US"/>
           </a:p>
@@ -1775,7 +1775,7 @@
     </p:spTree>
     <p:extLst>
       <p:ext uri="{BB962C8B-B14F-4D97-AF65-F5344CB8AC3E}">
-        <p14:creationId xmlns:p14="http://schemas.microsoft.com/office/powerpoint/2010/main" val="12644559"/>
+        <p14:creationId xmlns:p14="http://schemas.microsoft.com/office/powerpoint/2010/main" val="1863374903"/>
       </p:ext>
     </p:extLst>
   </p:cSld>
@@ -1819,7 +1819,7 @@
           <a:p>
             <a:fld id="{3FB3755E-8342-471F-B2E3-9F071BFEFED8}" type="datetimeFigureOut">
               <a:rPr lang="en-US" smtClean="0"/>
-              <a:t>8/9/2022</a:t>
+              <a:t>9/14/2022</a:t>
             </a:fld>
             <a:endParaRPr lang="en-US"/>
           </a:p>
@@ -1870,7 +1870,7 @@
     </p:spTree>
     <p:extLst>
       <p:ext uri="{BB962C8B-B14F-4D97-AF65-F5344CB8AC3E}">
-        <p14:creationId xmlns:p14="http://schemas.microsoft.com/office/powerpoint/2010/main" val="3502026926"/>
+        <p14:creationId xmlns:p14="http://schemas.microsoft.com/office/powerpoint/2010/main" val="4001780401"/>
       </p:ext>
     </p:extLst>
   </p:cSld>
@@ -1909,8 +1909,8 @@
         </p:nvSpPr>
         <p:spPr>
           <a:xfrm>
-            <a:off x="472383" y="812800"/>
-            <a:ext cx="2211883" cy="2844800"/>
+            <a:off x="472381" y="655320"/>
+            <a:ext cx="2211884" cy="2293620"/>
           </a:xfrm>
         </p:spPr>
         <p:txBody>
@@ -1941,8 +1941,8 @@
         </p:nvSpPr>
         <p:spPr>
           <a:xfrm>
-            <a:off x="2915546" y="1755425"/>
-            <a:ext cx="3471863" cy="8664222"/>
+            <a:off x="2915543" y="1415311"/>
+            <a:ext cx="3471863" cy="6985529"/>
           </a:xfrm>
         </p:spPr>
         <p:txBody>
@@ -2026,8 +2026,8 @@
         </p:nvSpPr>
         <p:spPr>
           <a:xfrm>
-            <a:off x="472383" y="3657601"/>
-            <a:ext cx="2211883" cy="6776156"/>
+            <a:off x="472381" y="2948940"/>
+            <a:ext cx="2211884" cy="5463276"/>
           </a:xfrm>
         </p:spPr>
         <p:txBody>
@@ -2037,37 +2037,37 @@
               <a:buNone/>
               <a:defRPr sz="1200"/>
             </a:lvl1pPr>
-            <a:lvl2pPr marL="342887" indent="0">
+            <a:lvl2pPr marL="342900" indent="0">
               <a:buNone/>
               <a:defRPr sz="1050"/>
             </a:lvl2pPr>
-            <a:lvl3pPr marL="685774" indent="0">
+            <a:lvl3pPr marL="685800" indent="0">
               <a:buNone/>
               <a:defRPr sz="900"/>
             </a:lvl3pPr>
-            <a:lvl4pPr marL="1028663" indent="0">
+            <a:lvl4pPr marL="1028700" indent="0">
               <a:buNone/>
-              <a:defRPr sz="752"/>
+              <a:defRPr sz="750"/>
             </a:lvl4pPr>
-            <a:lvl5pPr marL="1371548" indent="0">
+            <a:lvl5pPr marL="1371600" indent="0">
               <a:buNone/>
-              <a:defRPr sz="752"/>
+              <a:defRPr sz="750"/>
             </a:lvl5pPr>
-            <a:lvl6pPr marL="1714436" indent="0">
+            <a:lvl6pPr marL="1714500" indent="0">
               <a:buNone/>
-              <a:defRPr sz="752"/>
+              <a:defRPr sz="750"/>
             </a:lvl6pPr>
-            <a:lvl7pPr marL="2057323" indent="0">
+            <a:lvl7pPr marL="2057400" indent="0">
               <a:buNone/>
-              <a:defRPr sz="752"/>
+              <a:defRPr sz="750"/>
             </a:lvl7pPr>
-            <a:lvl8pPr marL="2400210" indent="0">
+            <a:lvl8pPr marL="2400300" indent="0">
               <a:buNone/>
-              <a:defRPr sz="752"/>
+              <a:defRPr sz="750"/>
             </a:lvl8pPr>
-            <a:lvl9pPr marL="2743097" indent="0">
+            <a:lvl9pPr marL="2743200" indent="0">
               <a:buNone/>
-              <a:defRPr sz="752"/>
+              <a:defRPr sz="750"/>
             </a:lvl9pPr>
           </a:lstStyle>
           <a:p>
@@ -2096,7 +2096,7 @@
           <a:p>
             <a:fld id="{3FB3755E-8342-471F-B2E3-9F071BFEFED8}" type="datetimeFigureOut">
               <a:rPr lang="en-US" smtClean="0"/>
-              <a:t>8/9/2022</a:t>
+              <a:t>9/14/2022</a:t>
             </a:fld>
             <a:endParaRPr lang="en-US"/>
           </a:p>
@@ -2147,7 +2147,7 @@
     </p:spTree>
     <p:extLst>
       <p:ext uri="{BB962C8B-B14F-4D97-AF65-F5344CB8AC3E}">
-        <p14:creationId xmlns:p14="http://schemas.microsoft.com/office/powerpoint/2010/main" val="3205700662"/>
+        <p14:creationId xmlns:p14="http://schemas.microsoft.com/office/powerpoint/2010/main" val="1176382113"/>
       </p:ext>
     </p:extLst>
   </p:cSld>
@@ -2186,8 +2186,8 @@
         </p:nvSpPr>
         <p:spPr>
           <a:xfrm>
-            <a:off x="472383" y="812800"/>
-            <a:ext cx="2211883" cy="2844800"/>
+            <a:off x="472381" y="655320"/>
+            <a:ext cx="2211884" cy="2293620"/>
           </a:xfrm>
         </p:spPr>
         <p:txBody>
@@ -2218,8 +2218,8 @@
         </p:nvSpPr>
         <p:spPr>
           <a:xfrm>
-            <a:off x="2915546" y="1755425"/>
-            <a:ext cx="3471863" cy="8664222"/>
+            <a:off x="2915543" y="1415311"/>
+            <a:ext cx="3471863" cy="6985529"/>
           </a:xfrm>
         </p:spPr>
         <p:txBody>
@@ -2229,35 +2229,35 @@
               <a:buNone/>
               <a:defRPr sz="2400"/>
             </a:lvl1pPr>
-            <a:lvl2pPr marL="342887" indent="0">
+            <a:lvl2pPr marL="342900" indent="0">
               <a:buNone/>
               <a:defRPr sz="2100"/>
             </a:lvl2pPr>
-            <a:lvl3pPr marL="685774" indent="0">
+            <a:lvl3pPr marL="685800" indent="0">
               <a:buNone/>
               <a:defRPr sz="1800"/>
             </a:lvl3pPr>
-            <a:lvl4pPr marL="1028663" indent="0">
+            <a:lvl4pPr marL="1028700" indent="0">
               <a:buNone/>
               <a:defRPr sz="1500"/>
             </a:lvl4pPr>
-            <a:lvl5pPr marL="1371548" indent="0">
+            <a:lvl5pPr marL="1371600" indent="0">
               <a:buNone/>
               <a:defRPr sz="1500"/>
             </a:lvl5pPr>
-            <a:lvl6pPr marL="1714436" indent="0">
+            <a:lvl6pPr marL="1714500" indent="0">
               <a:buNone/>
               <a:defRPr sz="1500"/>
             </a:lvl6pPr>
-            <a:lvl7pPr marL="2057323" indent="0">
+            <a:lvl7pPr marL="2057400" indent="0">
               <a:buNone/>
               <a:defRPr sz="1500"/>
             </a:lvl7pPr>
-            <a:lvl8pPr marL="2400210" indent="0">
+            <a:lvl8pPr marL="2400300" indent="0">
               <a:buNone/>
               <a:defRPr sz="1500"/>
             </a:lvl8pPr>
-            <a:lvl9pPr marL="2743097" indent="0">
+            <a:lvl9pPr marL="2743200" indent="0">
               <a:buNone/>
               <a:defRPr sz="1500"/>
             </a:lvl9pPr>
@@ -2283,8 +2283,8 @@
         </p:nvSpPr>
         <p:spPr>
           <a:xfrm>
-            <a:off x="472383" y="3657601"/>
-            <a:ext cx="2211883" cy="6776156"/>
+            <a:off x="472381" y="2948940"/>
+            <a:ext cx="2211884" cy="5463276"/>
           </a:xfrm>
         </p:spPr>
         <p:txBody>
@@ -2294,37 +2294,37 @@
               <a:buNone/>
               <a:defRPr sz="1200"/>
             </a:lvl1pPr>
-            <a:lvl2pPr marL="342887" indent="0">
+            <a:lvl2pPr marL="342900" indent="0">
               <a:buNone/>
               <a:defRPr sz="1050"/>
             </a:lvl2pPr>
-            <a:lvl3pPr marL="685774" indent="0">
+            <a:lvl3pPr marL="685800" indent="0">
               <a:buNone/>
               <a:defRPr sz="900"/>
             </a:lvl3pPr>
-            <a:lvl4pPr marL="1028663" indent="0">
+            <a:lvl4pPr marL="1028700" indent="0">
               <a:buNone/>
-              <a:defRPr sz="752"/>
+              <a:defRPr sz="750"/>
             </a:lvl4pPr>
-            <a:lvl5pPr marL="1371548" indent="0">
+            <a:lvl5pPr marL="1371600" indent="0">
               <a:buNone/>
-              <a:defRPr sz="752"/>
+              <a:defRPr sz="750"/>
             </a:lvl5pPr>
-            <a:lvl6pPr marL="1714436" indent="0">
+            <a:lvl6pPr marL="1714500" indent="0">
               <a:buNone/>
-              <a:defRPr sz="752"/>
+              <a:defRPr sz="750"/>
             </a:lvl6pPr>
-            <a:lvl7pPr marL="2057323" indent="0">
+            <a:lvl7pPr marL="2057400" indent="0">
               <a:buNone/>
-              <a:defRPr sz="752"/>
+              <a:defRPr sz="750"/>
             </a:lvl7pPr>
-            <a:lvl8pPr marL="2400210" indent="0">
+            <a:lvl8pPr marL="2400300" indent="0">
               <a:buNone/>
-              <a:defRPr sz="752"/>
+              <a:defRPr sz="750"/>
             </a:lvl8pPr>
-            <a:lvl9pPr marL="2743097" indent="0">
+            <a:lvl9pPr marL="2743200" indent="0">
               <a:buNone/>
-              <a:defRPr sz="752"/>
+              <a:defRPr sz="750"/>
             </a:lvl9pPr>
           </a:lstStyle>
           <a:p>
@@ -2353,7 +2353,7 @@
           <a:p>
             <a:fld id="{3FB3755E-8342-471F-B2E3-9F071BFEFED8}" type="datetimeFigureOut">
               <a:rPr lang="en-US" smtClean="0"/>
-              <a:t>8/9/2022</a:t>
+              <a:t>9/14/2022</a:t>
             </a:fld>
             <a:endParaRPr lang="en-US"/>
           </a:p>
@@ -2404,7 +2404,7 @@
     </p:spTree>
     <p:extLst>
       <p:ext uri="{BB962C8B-B14F-4D97-AF65-F5344CB8AC3E}">
-        <p14:creationId xmlns:p14="http://schemas.microsoft.com/office/powerpoint/2010/main" val="3852307186"/>
+        <p14:creationId xmlns:p14="http://schemas.microsoft.com/office/powerpoint/2010/main" val="2146883245"/>
       </p:ext>
     </p:extLst>
   </p:cSld>
@@ -2448,8 +2448,8 @@
         </p:nvSpPr>
         <p:spPr>
           <a:xfrm>
-            <a:off x="471491" y="649115"/>
-            <a:ext cx="5915025" cy="2356556"/>
+            <a:off x="471488" y="523348"/>
+            <a:ext cx="5915025" cy="1899974"/>
           </a:xfrm>
           <a:prstGeom prst="rect">
             <a:avLst/>
@@ -2481,8 +2481,8 @@
         </p:nvSpPr>
         <p:spPr>
           <a:xfrm>
-            <a:off x="471491" y="3245557"/>
-            <a:ext cx="5915025" cy="7735712"/>
+            <a:off x="471488" y="2616729"/>
+            <a:ext cx="5915025" cy="6236918"/>
           </a:xfrm>
           <a:prstGeom prst="rect">
             <a:avLst/>
@@ -2543,8 +2543,8 @@
         </p:nvSpPr>
         <p:spPr>
           <a:xfrm>
-            <a:off x="471488" y="11300183"/>
-            <a:ext cx="1543050" cy="649111"/>
+            <a:off x="471488" y="9110770"/>
+            <a:ext cx="1543050" cy="523346"/>
           </a:xfrm>
           <a:prstGeom prst="rect">
             <a:avLst/>
@@ -2566,7 +2566,7 @@
           <a:p>
             <a:fld id="{3FB3755E-8342-471F-B2E3-9F071BFEFED8}" type="datetimeFigureOut">
               <a:rPr lang="en-US" smtClean="0"/>
-              <a:t>8/9/2022</a:t>
+              <a:t>9/14/2022</a:t>
             </a:fld>
             <a:endParaRPr lang="en-US"/>
           </a:p>
@@ -2584,8 +2584,8 @@
         </p:nvSpPr>
         <p:spPr>
           <a:xfrm>
-            <a:off x="2271716" y="11300183"/>
-            <a:ext cx="2314575" cy="649111"/>
+            <a:off x="2271713" y="9110770"/>
+            <a:ext cx="2314575" cy="523346"/>
           </a:xfrm>
           <a:prstGeom prst="rect">
             <a:avLst/>
@@ -2621,8 +2621,8 @@
         </p:nvSpPr>
         <p:spPr>
           <a:xfrm>
-            <a:off x="4843463" y="11300183"/>
-            <a:ext cx="1543050" cy="649111"/>
+            <a:off x="4843463" y="9110770"/>
+            <a:ext cx="1543050" cy="523346"/>
           </a:xfrm>
           <a:prstGeom prst="rect">
             <a:avLst/>
@@ -2653,27 +2653,27 @@
     </p:spTree>
     <p:extLst>
       <p:ext uri="{BB962C8B-B14F-4D97-AF65-F5344CB8AC3E}">
-        <p14:creationId xmlns:p14="http://schemas.microsoft.com/office/powerpoint/2010/main" val="369056627"/>
+        <p14:creationId xmlns:p14="http://schemas.microsoft.com/office/powerpoint/2010/main" val="416018057"/>
       </p:ext>
     </p:extLst>
   </p:cSld>
   <p:clrMap bg1="lt1" tx1="dk1" bg2="lt2" tx2="dk2" accent1="accent1" accent2="accent2" accent3="accent3" accent4="accent4" accent5="accent5" accent6="accent6" hlink="hlink" folHlink="folHlink"/>
   <p:sldLayoutIdLst>
-    <p:sldLayoutId id="2147483661" r:id="rId1"/>
-    <p:sldLayoutId id="2147483662" r:id="rId2"/>
-    <p:sldLayoutId id="2147483663" r:id="rId3"/>
-    <p:sldLayoutId id="2147483664" r:id="rId4"/>
-    <p:sldLayoutId id="2147483665" r:id="rId5"/>
-    <p:sldLayoutId id="2147483666" r:id="rId6"/>
-    <p:sldLayoutId id="2147483667" r:id="rId7"/>
-    <p:sldLayoutId id="2147483668" r:id="rId8"/>
-    <p:sldLayoutId id="2147483669" r:id="rId9"/>
-    <p:sldLayoutId id="2147483670" r:id="rId10"/>
-    <p:sldLayoutId id="2147483671" r:id="rId11"/>
+    <p:sldLayoutId id="2147483697" r:id="rId1"/>
+    <p:sldLayoutId id="2147483698" r:id="rId2"/>
+    <p:sldLayoutId id="2147483699" r:id="rId3"/>
+    <p:sldLayoutId id="2147483700" r:id="rId4"/>
+    <p:sldLayoutId id="2147483701" r:id="rId5"/>
+    <p:sldLayoutId id="2147483702" r:id="rId6"/>
+    <p:sldLayoutId id="2147483703" r:id="rId7"/>
+    <p:sldLayoutId id="2147483704" r:id="rId8"/>
+    <p:sldLayoutId id="2147483705" r:id="rId9"/>
+    <p:sldLayoutId id="2147483706" r:id="rId10"/>
+    <p:sldLayoutId id="2147483707" r:id="rId11"/>
   </p:sldLayoutIdLst>
   <p:txStyles>
     <p:titleStyle>
-      <a:lvl1pPr algn="l" defTabSz="685774" rtl="0" eaLnBrk="1" latinLnBrk="0" hangingPunct="1">
+      <a:lvl1pPr algn="l" defTabSz="685800" rtl="0" eaLnBrk="1" latinLnBrk="0" hangingPunct="1">
         <a:lnSpc>
           <a:spcPct val="90000"/>
         </a:lnSpc>
@@ -2692,12 +2692,12 @@
       </a:lvl1pPr>
     </p:titleStyle>
     <p:bodyStyle>
-      <a:lvl1pPr marL="171444" indent="-171444" algn="l" defTabSz="685774" rtl="0" eaLnBrk="1" latinLnBrk="0" hangingPunct="1">
+      <a:lvl1pPr marL="171450" indent="-171450" algn="l" defTabSz="685800" rtl="0" eaLnBrk="1" latinLnBrk="0" hangingPunct="1">
         <a:lnSpc>
           <a:spcPct val="90000"/>
         </a:lnSpc>
         <a:spcBef>
-          <a:spcPts val="752"/>
+          <a:spcPts val="750"/>
         </a:spcBef>
         <a:buFont typeface="Arial" panose="020B0604020202020204" pitchFamily="34" charset="0"/>
         <a:buChar char="•"/>
@@ -2710,7 +2710,7 @@
           <a:cs typeface="+mn-cs"/>
         </a:defRPr>
       </a:lvl1pPr>
-      <a:lvl2pPr marL="514331" indent="-171444" algn="l" defTabSz="685774" rtl="0" eaLnBrk="1" latinLnBrk="0" hangingPunct="1">
+      <a:lvl2pPr marL="514350" indent="-171450" algn="l" defTabSz="685800" rtl="0" eaLnBrk="1" latinLnBrk="0" hangingPunct="1">
         <a:lnSpc>
           <a:spcPct val="90000"/>
         </a:lnSpc>
@@ -2728,7 +2728,7 @@
           <a:cs typeface="+mn-cs"/>
         </a:defRPr>
       </a:lvl2pPr>
-      <a:lvl3pPr marL="857218" indent="-171444" algn="l" defTabSz="685774" rtl="0" eaLnBrk="1" latinLnBrk="0" hangingPunct="1">
+      <a:lvl3pPr marL="857250" indent="-171450" algn="l" defTabSz="685800" rtl="0" eaLnBrk="1" latinLnBrk="0" hangingPunct="1">
         <a:lnSpc>
           <a:spcPct val="90000"/>
         </a:lnSpc>
@@ -2746,7 +2746,7 @@
           <a:cs typeface="+mn-cs"/>
         </a:defRPr>
       </a:lvl3pPr>
-      <a:lvl4pPr marL="1200107" indent="-171444" algn="l" defTabSz="685774" rtl="0" eaLnBrk="1" latinLnBrk="0" hangingPunct="1">
+      <a:lvl4pPr marL="1200150" indent="-171450" algn="l" defTabSz="685800" rtl="0" eaLnBrk="1" latinLnBrk="0" hangingPunct="1">
         <a:lnSpc>
           <a:spcPct val="90000"/>
         </a:lnSpc>
@@ -2764,7 +2764,7 @@
           <a:cs typeface="+mn-cs"/>
         </a:defRPr>
       </a:lvl4pPr>
-      <a:lvl5pPr marL="1542992" indent="-171444" algn="l" defTabSz="685774" rtl="0" eaLnBrk="1" latinLnBrk="0" hangingPunct="1">
+      <a:lvl5pPr marL="1543050" indent="-171450" algn="l" defTabSz="685800" rtl="0" eaLnBrk="1" latinLnBrk="0" hangingPunct="1">
         <a:lnSpc>
           <a:spcPct val="90000"/>
         </a:lnSpc>
@@ -2782,7 +2782,7 @@
           <a:cs typeface="+mn-cs"/>
         </a:defRPr>
       </a:lvl5pPr>
-      <a:lvl6pPr marL="1885881" indent="-171444" algn="l" defTabSz="685774" rtl="0" eaLnBrk="1" latinLnBrk="0" hangingPunct="1">
+      <a:lvl6pPr marL="1885950" indent="-171450" algn="l" defTabSz="685800" rtl="0" eaLnBrk="1" latinLnBrk="0" hangingPunct="1">
         <a:lnSpc>
           <a:spcPct val="90000"/>
         </a:lnSpc>
@@ -2800,7 +2800,7 @@
           <a:cs typeface="+mn-cs"/>
         </a:defRPr>
       </a:lvl6pPr>
-      <a:lvl7pPr marL="2228768" indent="-171444" algn="l" defTabSz="685774" rtl="0" eaLnBrk="1" latinLnBrk="0" hangingPunct="1">
+      <a:lvl7pPr marL="2228850" indent="-171450" algn="l" defTabSz="685800" rtl="0" eaLnBrk="1" latinLnBrk="0" hangingPunct="1">
         <a:lnSpc>
           <a:spcPct val="90000"/>
         </a:lnSpc>
@@ -2818,7 +2818,7 @@
           <a:cs typeface="+mn-cs"/>
         </a:defRPr>
       </a:lvl7pPr>
-      <a:lvl8pPr marL="2571654" indent="-171444" algn="l" defTabSz="685774" rtl="0" eaLnBrk="1" latinLnBrk="0" hangingPunct="1">
+      <a:lvl8pPr marL="2571750" indent="-171450" algn="l" defTabSz="685800" rtl="0" eaLnBrk="1" latinLnBrk="0" hangingPunct="1">
         <a:lnSpc>
           <a:spcPct val="90000"/>
         </a:lnSpc>
@@ -2836,7 +2836,7 @@
           <a:cs typeface="+mn-cs"/>
         </a:defRPr>
       </a:lvl8pPr>
-      <a:lvl9pPr marL="2914541" indent="-171444" algn="l" defTabSz="685774" rtl="0" eaLnBrk="1" latinLnBrk="0" hangingPunct="1">
+      <a:lvl9pPr marL="2914650" indent="-171450" algn="l" defTabSz="685800" rtl="0" eaLnBrk="1" latinLnBrk="0" hangingPunct="1">
         <a:lnSpc>
           <a:spcPct val="90000"/>
         </a:lnSpc>
@@ -2859,7 +2859,7 @@
       <a:defPPr>
         <a:defRPr lang="en-US"/>
       </a:defPPr>
-      <a:lvl1pPr marL="0" algn="l" defTabSz="685774" rtl="0" eaLnBrk="1" latinLnBrk="0" hangingPunct="1">
+      <a:lvl1pPr marL="0" algn="l" defTabSz="685800" rtl="0" eaLnBrk="1" latinLnBrk="0" hangingPunct="1">
         <a:defRPr sz="1350" kern="1200">
           <a:solidFill>
             <a:schemeClr val="tx1"/>
@@ -2869,7 +2869,7 @@
           <a:cs typeface="+mn-cs"/>
         </a:defRPr>
       </a:lvl1pPr>
-      <a:lvl2pPr marL="342887" algn="l" defTabSz="685774" rtl="0" eaLnBrk="1" latinLnBrk="0" hangingPunct="1">
+      <a:lvl2pPr marL="342900" algn="l" defTabSz="685800" rtl="0" eaLnBrk="1" latinLnBrk="0" hangingPunct="1">
         <a:defRPr sz="1350" kern="1200">
           <a:solidFill>
             <a:schemeClr val="tx1"/>
@@ -2879,7 +2879,7 @@
           <a:cs typeface="+mn-cs"/>
         </a:defRPr>
       </a:lvl2pPr>
-      <a:lvl3pPr marL="685774" algn="l" defTabSz="685774" rtl="0" eaLnBrk="1" latinLnBrk="0" hangingPunct="1">
+      <a:lvl3pPr marL="685800" algn="l" defTabSz="685800" rtl="0" eaLnBrk="1" latinLnBrk="0" hangingPunct="1">
         <a:defRPr sz="1350" kern="1200">
           <a:solidFill>
             <a:schemeClr val="tx1"/>
@@ -2889,7 +2889,7 @@
           <a:cs typeface="+mn-cs"/>
         </a:defRPr>
       </a:lvl3pPr>
-      <a:lvl4pPr marL="1028663" algn="l" defTabSz="685774" rtl="0" eaLnBrk="1" latinLnBrk="0" hangingPunct="1">
+      <a:lvl4pPr marL="1028700" algn="l" defTabSz="685800" rtl="0" eaLnBrk="1" latinLnBrk="0" hangingPunct="1">
         <a:defRPr sz="1350" kern="1200">
           <a:solidFill>
             <a:schemeClr val="tx1"/>
@@ -2899,7 +2899,7 @@
           <a:cs typeface="+mn-cs"/>
         </a:defRPr>
       </a:lvl4pPr>
-      <a:lvl5pPr marL="1371548" algn="l" defTabSz="685774" rtl="0" eaLnBrk="1" latinLnBrk="0" hangingPunct="1">
+      <a:lvl5pPr marL="1371600" algn="l" defTabSz="685800" rtl="0" eaLnBrk="1" latinLnBrk="0" hangingPunct="1">
         <a:defRPr sz="1350" kern="1200">
           <a:solidFill>
             <a:schemeClr val="tx1"/>
@@ -2909,7 +2909,7 @@
           <a:cs typeface="+mn-cs"/>
         </a:defRPr>
       </a:lvl5pPr>
-      <a:lvl6pPr marL="1714436" algn="l" defTabSz="685774" rtl="0" eaLnBrk="1" latinLnBrk="0" hangingPunct="1">
+      <a:lvl6pPr marL="1714500" algn="l" defTabSz="685800" rtl="0" eaLnBrk="1" latinLnBrk="0" hangingPunct="1">
         <a:defRPr sz="1350" kern="1200">
           <a:solidFill>
             <a:schemeClr val="tx1"/>
@@ -2919,7 +2919,7 @@
           <a:cs typeface="+mn-cs"/>
         </a:defRPr>
       </a:lvl6pPr>
-      <a:lvl7pPr marL="2057323" algn="l" defTabSz="685774" rtl="0" eaLnBrk="1" latinLnBrk="0" hangingPunct="1">
+      <a:lvl7pPr marL="2057400" algn="l" defTabSz="685800" rtl="0" eaLnBrk="1" latinLnBrk="0" hangingPunct="1">
         <a:defRPr sz="1350" kern="1200">
           <a:solidFill>
             <a:schemeClr val="tx1"/>
@@ -2929,7 +2929,7 @@
           <a:cs typeface="+mn-cs"/>
         </a:defRPr>
       </a:lvl7pPr>
-      <a:lvl8pPr marL="2400210" algn="l" defTabSz="685774" rtl="0" eaLnBrk="1" latinLnBrk="0" hangingPunct="1">
+      <a:lvl8pPr marL="2400300" algn="l" defTabSz="685800" rtl="0" eaLnBrk="1" latinLnBrk="0" hangingPunct="1">
         <a:defRPr sz="1350" kern="1200">
           <a:solidFill>
             <a:schemeClr val="tx1"/>
@@ -2939,7 +2939,7 @@
           <a:cs typeface="+mn-cs"/>
         </a:defRPr>
       </a:lvl8pPr>
-      <a:lvl9pPr marL="2743097" algn="l" defTabSz="685774" rtl="0" eaLnBrk="1" latinLnBrk="0" hangingPunct="1">
+      <a:lvl9pPr marL="2743200" algn="l" defTabSz="685800" rtl="0" eaLnBrk="1" latinLnBrk="0" hangingPunct="1">
         <a:defRPr sz="1350" kern="1200">
           <a:solidFill>
             <a:schemeClr val="tx1"/>
@@ -2985,10 +2985,10 @@
         </p:nvGrpSpPr>
         <p:grpSpPr>
           <a:xfrm>
-            <a:off x="108995" y="0"/>
-            <a:ext cx="6640009" cy="9401529"/>
-            <a:chOff x="108995" y="0"/>
-            <a:chExt cx="6640009" cy="9401529"/>
+            <a:off x="108997" y="174575"/>
+            <a:ext cx="6640009" cy="9480650"/>
+            <a:chOff x="108995" y="-40485"/>
+            <a:chExt cx="6640009" cy="9480650"/>
           </a:xfrm>
         </p:grpSpPr>
         <p:sp>
@@ -3730,8 +3730,8 @@
             </a:fontRef>
           </p:style>
         </p:cxnSp>
-        <mc:AlternateContent xmlns:mc="http://schemas.openxmlformats.org/markup-compatibility/2006">
-          <mc:Choice xmlns:a14="http://schemas.microsoft.com/office/drawing/2010/main" Requires="a14">
+        <mc:AlternateContent xmlns:mc="http://schemas.openxmlformats.org/markup-compatibility/2006" xmlns:a14="http://schemas.microsoft.com/office/drawing/2010/main">
+          <mc:Choice Requires="a14">
             <p:sp>
               <p:nvSpPr>
                 <p:cNvPr id="7" name="TextBox 6">
@@ -3746,8 +3746,8 @@
               </p:nvSpPr>
               <p:spPr>
                 <a:xfrm>
-                  <a:off x="892347" y="7114672"/>
-                  <a:ext cx="203001" cy="300082"/>
+                  <a:off x="838281" y="7105155"/>
+                  <a:ext cx="203001" cy="400110"/>
                 </a:xfrm>
                 <a:prstGeom prst="rect">
                   <a:avLst/>
@@ -3771,14 +3771,14 @@
                           <m:accPr>
                             <m:chr m:val="̂"/>
                             <m:ctrlPr>
-                              <a:rPr lang="en-US" sz="1350" b="1" i="1">
+                              <a:rPr lang="en-US" sz="2000" b="1" i="1">
                                 <a:latin typeface="Cambria Math" panose="02040503050406030204" pitchFamily="18" charset="0"/>
                               </a:rPr>
                             </m:ctrlPr>
                           </m:accPr>
                           <m:e>
                             <m:r>
-                              <a:rPr lang="en-US" sz="1350" b="1" i="1">
+                              <a:rPr lang="en-US" sz="2000" b="1" i="1">
                                 <a:latin typeface="Cambria Math" panose="02040503050406030204" pitchFamily="18" charset="0"/>
                               </a:rPr>
                               <m:t>𝒙</m:t>
@@ -3788,12 +3788,12 @@
                       </m:oMath>
                     </m:oMathPara>
                   </a14:m>
-                  <a:endParaRPr lang="en-US" sz="1350" dirty="0"/>
+                  <a:endParaRPr lang="en-US" sz="2000" dirty="0"/>
                 </a:p>
               </p:txBody>
             </p:sp>
           </mc:Choice>
-          <mc:Fallback>
+          <mc:Fallback xmlns="">
             <p:sp>
               <p:nvSpPr>
                 <p:cNvPr id="7" name="TextBox 6">
@@ -3810,8 +3810,8 @@
               </p:nvSpPr>
               <p:spPr>
                 <a:xfrm>
-                  <a:off x="892347" y="7114672"/>
-                  <a:ext cx="203001" cy="300082"/>
+                  <a:off x="838281" y="7105155"/>
+                  <a:ext cx="203001" cy="400110"/>
                 </a:xfrm>
                 <a:prstGeom prst="rect">
                   <a:avLst/>
@@ -3819,7 +3819,7 @@
                 <a:blipFill>
                   <a:blip r:embed="rId2"/>
                   <a:stretch>
-                    <a:fillRect r="-14706"/>
+                    <a:fillRect l="-6061" t="-7692" r="-51515"/>
                   </a:stretch>
                 </a:blipFill>
               </p:spPr>
@@ -3884,8 +3884,8 @@
             </a:fontRef>
           </p:style>
         </p:cxnSp>
-        <mc:AlternateContent xmlns:mc="http://schemas.openxmlformats.org/markup-compatibility/2006">
-          <mc:Choice xmlns:a14="http://schemas.microsoft.com/office/drawing/2010/main" Requires="a14">
+        <mc:AlternateContent xmlns:mc="http://schemas.openxmlformats.org/markup-compatibility/2006" xmlns:a14="http://schemas.microsoft.com/office/drawing/2010/main">
+          <mc:Choice Requires="a14">
             <p:sp>
               <p:nvSpPr>
                 <p:cNvPr id="8" name="TextBox 7">
@@ -3900,8 +3900,8 @@
               </p:nvSpPr>
               <p:spPr>
                 <a:xfrm>
-                  <a:off x="4380905" y="9101447"/>
-                  <a:ext cx="197640" cy="300082"/>
+                  <a:off x="4354527" y="9040055"/>
+                  <a:ext cx="197640" cy="400110"/>
                 </a:xfrm>
                 <a:prstGeom prst="rect">
                   <a:avLst/>
@@ -3925,14 +3925,14 @@
                           <m:accPr>
                             <m:chr m:val="̂"/>
                             <m:ctrlPr>
-                              <a:rPr lang="en-US" sz="1350" b="1" i="1">
+                              <a:rPr lang="en-US" sz="2000" b="1" i="1">
                                 <a:latin typeface="Cambria Math" panose="02040503050406030204" pitchFamily="18" charset="0"/>
                               </a:rPr>
                             </m:ctrlPr>
                           </m:accPr>
                           <m:e>
                             <m:r>
-                              <a:rPr lang="en-US" sz="1350" b="1" i="1">
+                              <a:rPr lang="en-US" sz="2000" b="1" i="1">
                                 <a:latin typeface="Cambria Math" panose="02040503050406030204" pitchFamily="18" charset="0"/>
                               </a:rPr>
                               <m:t>𝒚</m:t>
@@ -3942,12 +3942,12 @@
                       </m:oMath>
                     </m:oMathPara>
                   </a14:m>
-                  <a:endParaRPr lang="en-US" sz="1350" b="1" dirty="0"/>
+                  <a:endParaRPr lang="en-US" sz="2000" b="1" dirty="0"/>
                 </a:p>
               </p:txBody>
             </p:sp>
           </mc:Choice>
-          <mc:Fallback>
+          <mc:Fallback xmlns="">
             <p:sp>
               <p:nvSpPr>
                 <p:cNvPr id="8" name="TextBox 7">
@@ -3964,8 +3964,8 @@
               </p:nvSpPr>
               <p:spPr>
                 <a:xfrm>
-                  <a:off x="4380905" y="9101447"/>
-                  <a:ext cx="197640" cy="300082"/>
+                  <a:off x="4354527" y="9040055"/>
+                  <a:ext cx="197640" cy="400110"/>
                 </a:xfrm>
                 <a:prstGeom prst="rect">
                   <a:avLst/>
@@ -3973,7 +3973,7 @@
                 <a:blipFill>
                   <a:blip r:embed="rId3"/>
                   <a:stretch>
-                    <a:fillRect r="-31250" b="-2041"/>
+                    <a:fillRect l="-3030" t="-7576" r="-69697" b="-7576"/>
                   </a:stretch>
                 </a:blipFill>
               </p:spPr>
@@ -3992,8 +3992,8 @@
             </p:sp>
           </mc:Fallback>
         </mc:AlternateContent>
-        <mc:AlternateContent xmlns:mc="http://schemas.openxmlformats.org/markup-compatibility/2006">
-          <mc:Choice xmlns:a14="http://schemas.microsoft.com/office/drawing/2010/main" Requires="a14">
+        <mc:AlternateContent xmlns:mc="http://schemas.openxmlformats.org/markup-compatibility/2006" xmlns:a14="http://schemas.microsoft.com/office/drawing/2010/main">
+          <mc:Choice Requires="a14">
             <p:sp>
               <p:nvSpPr>
                 <p:cNvPr id="9" name="TextBox 8">
@@ -4008,8 +4008,8 @@
               </p:nvSpPr>
               <p:spPr>
                 <a:xfrm>
-                  <a:off x="3851401" y="4695006"/>
-                  <a:ext cx="258268" cy="300082"/>
+                  <a:off x="3827943" y="4664733"/>
+                  <a:ext cx="258268" cy="400110"/>
                 </a:xfrm>
                 <a:prstGeom prst="rect">
                   <a:avLst/>
@@ -4033,14 +4033,14 @@
                           <m:accPr>
                             <m:chr m:val="̂"/>
                             <m:ctrlPr>
-                              <a:rPr lang="en-US" sz="1350" b="1" i="1">
+                              <a:rPr lang="en-US" sz="2000" b="1" i="1">
                                 <a:latin typeface="Cambria Math" panose="02040503050406030204" pitchFamily="18" charset="0"/>
                               </a:rPr>
                             </m:ctrlPr>
                           </m:accPr>
                           <m:e>
                             <m:r>
-                              <a:rPr lang="en-US" sz="1350" b="1" i="1">
+                              <a:rPr lang="en-US" sz="2000" b="1" i="1">
                                 <a:latin typeface="Cambria Math" panose="02040503050406030204" pitchFamily="18" charset="0"/>
                               </a:rPr>
                               <m:t>𝒛</m:t>
@@ -4050,12 +4050,12 @@
                       </m:oMath>
                     </m:oMathPara>
                   </a14:m>
-                  <a:endParaRPr lang="en-US" sz="1350" b="1" dirty="0"/>
+                  <a:endParaRPr lang="en-US" sz="2000" b="1" dirty="0"/>
                 </a:p>
               </p:txBody>
             </p:sp>
           </mc:Choice>
-          <mc:Fallback>
+          <mc:Fallback xmlns="">
             <p:sp>
               <p:nvSpPr>
                 <p:cNvPr id="9" name="TextBox 8">
@@ -4072,8 +4072,8 @@
               </p:nvSpPr>
               <p:spPr>
                 <a:xfrm>
-                  <a:off x="3851401" y="4695006"/>
-                  <a:ext cx="258268" cy="300082"/>
+                  <a:off x="3827943" y="4664733"/>
+                  <a:ext cx="258268" cy="400110"/>
                 </a:xfrm>
                 <a:prstGeom prst="rect">
                   <a:avLst/>
@@ -4081,7 +4081,7 @@
                 <a:blipFill>
                   <a:blip r:embed="rId4"/>
                   <a:stretch>
-                    <a:fillRect/>
+                    <a:fillRect t="-7576" r="-14286"/>
                   </a:stretch>
                 </a:blipFill>
               </p:spPr>
@@ -4208,8 +4208,8 @@
             </a:p>
           </p:txBody>
         </p:sp>
-        <mc:AlternateContent xmlns:mc="http://schemas.openxmlformats.org/markup-compatibility/2006">
-          <mc:Choice xmlns:a14="http://schemas.microsoft.com/office/drawing/2010/main" Requires="a14">
+        <mc:AlternateContent xmlns:mc="http://schemas.openxmlformats.org/markup-compatibility/2006" xmlns:a14="http://schemas.microsoft.com/office/drawing/2010/main">
+          <mc:Choice Requires="a14">
             <p:sp>
               <p:nvSpPr>
                 <p:cNvPr id="68" name="TextBox 67">
@@ -4224,8 +4224,8 @@
               </p:nvSpPr>
               <p:spPr>
                 <a:xfrm>
-                  <a:off x="1771647" y="5791111"/>
-                  <a:ext cx="226809" cy="300082"/>
+                  <a:off x="1807387" y="5749030"/>
+                  <a:ext cx="226809" cy="400110"/>
                 </a:xfrm>
                 <a:prstGeom prst="rect">
                   <a:avLst/>
@@ -4248,7 +4248,7 @@
                         <m:sSub>
                           <m:sSubPr>
                             <m:ctrlPr>
-                              <a:rPr lang="en-US" sz="1350" i="1">
+                              <a:rPr lang="en-US" sz="2000" i="1">
                                 <a:solidFill>
                                   <a:srgbClr val="C00000"/>
                                 </a:solidFill>
@@ -4258,7 +4258,7 @@
                           </m:sSubPr>
                           <m:e>
                             <m:r>
-                              <a:rPr lang="en-US" sz="1350" i="1">
+                              <a:rPr lang="en-US" sz="2000" i="1">
                                 <a:solidFill>
                                   <a:srgbClr val="C00000"/>
                                 </a:solidFill>
@@ -4269,7 +4269,7 @@
                           </m:e>
                           <m:sub>
                             <m:r>
-                              <a:rPr lang="en-US" sz="1350" i="1">
+                              <a:rPr lang="en-US" sz="2000" i="1">
                                 <a:solidFill>
                                   <a:srgbClr val="C00000"/>
                                 </a:solidFill>
@@ -4282,7 +4282,7 @@
                       </m:oMath>
                     </m:oMathPara>
                   </a14:m>
-                  <a:endParaRPr lang="en-US" sz="1350" dirty="0">
+                  <a:endParaRPr lang="en-US" sz="2000" dirty="0">
                     <a:solidFill>
                       <a:srgbClr val="C00000"/>
                     </a:solidFill>
@@ -4291,7 +4291,7 @@
               </p:txBody>
             </p:sp>
           </mc:Choice>
-          <mc:Fallback>
+          <mc:Fallback xmlns="">
             <p:sp>
               <p:nvSpPr>
                 <p:cNvPr id="68" name="TextBox 67">
@@ -4308,8 +4308,8 @@
               </p:nvSpPr>
               <p:spPr>
                 <a:xfrm>
-                  <a:off x="1771647" y="5791111"/>
-                  <a:ext cx="226809" cy="300082"/>
+                  <a:off x="1807387" y="5749030"/>
+                  <a:ext cx="226809" cy="400110"/>
                 </a:xfrm>
                 <a:prstGeom prst="rect">
                   <a:avLst/>
@@ -4317,7 +4317,7 @@
                 <a:blipFill>
                   <a:blip r:embed="rId5"/>
                   <a:stretch>
-                    <a:fillRect r="-51351"/>
+                    <a:fillRect r="-102632"/>
                   </a:stretch>
                 </a:blipFill>
               </p:spPr>
@@ -4336,8 +4336,8 @@
             </p:sp>
           </mc:Fallback>
         </mc:AlternateContent>
-        <mc:AlternateContent xmlns:mc="http://schemas.openxmlformats.org/markup-compatibility/2006">
-          <mc:Choice xmlns:a14="http://schemas.microsoft.com/office/drawing/2010/main" Requires="a14">
+        <mc:AlternateContent xmlns:mc="http://schemas.openxmlformats.org/markup-compatibility/2006" xmlns:a14="http://schemas.microsoft.com/office/drawing/2010/main">
+          <mc:Choice Requires="a14">
             <p:sp>
               <p:nvSpPr>
                 <p:cNvPr id="69" name="TextBox 68">
@@ -4352,8 +4352,8 @@
               </p:nvSpPr>
               <p:spPr>
                 <a:xfrm>
-                  <a:off x="5823719" y="8169285"/>
-                  <a:ext cx="287927" cy="300082"/>
+                  <a:off x="5797151" y="8169285"/>
+                  <a:ext cx="287927" cy="400110"/>
                 </a:xfrm>
                 <a:prstGeom prst="rect">
                   <a:avLst/>
@@ -4376,7 +4376,7 @@
                         <m:sSub>
                           <m:sSubPr>
                             <m:ctrlPr>
-                              <a:rPr lang="en-US" sz="1350" i="1">
+                              <a:rPr lang="en-US" sz="2000" i="1">
                                 <a:solidFill>
                                   <a:srgbClr val="C00000"/>
                                 </a:solidFill>
@@ -4386,7 +4386,7 @@
                           </m:sSubPr>
                           <m:e>
                             <m:r>
-                              <a:rPr lang="en-US" sz="1350" i="1">
+                              <a:rPr lang="en-US" sz="2000" i="1">
                                 <a:solidFill>
                                   <a:srgbClr val="C00000"/>
                                 </a:solidFill>
@@ -4397,7 +4397,7 @@
                           </m:e>
                           <m:sub>
                             <m:r>
-                              <a:rPr lang="en-US" sz="1350" i="1">
+                              <a:rPr lang="en-US" sz="2000" i="1">
                                 <a:solidFill>
                                   <a:srgbClr val="C00000"/>
                                 </a:solidFill>
@@ -4410,7 +4410,7 @@
                       </m:oMath>
                     </m:oMathPara>
                   </a14:m>
-                  <a:endParaRPr lang="en-US" sz="1350" dirty="0">
+                  <a:endParaRPr lang="en-US" sz="2000" dirty="0">
                     <a:solidFill>
                       <a:srgbClr val="C00000"/>
                     </a:solidFill>
@@ -4419,7 +4419,7 @@
               </p:txBody>
             </p:sp>
           </mc:Choice>
-          <mc:Fallback>
+          <mc:Fallback xmlns="">
             <p:sp>
               <p:nvSpPr>
                 <p:cNvPr id="69" name="TextBox 68">
@@ -4436,8 +4436,8 @@
               </p:nvSpPr>
               <p:spPr>
                 <a:xfrm>
-                  <a:off x="5823719" y="8169285"/>
-                  <a:ext cx="287927" cy="300082"/>
+                  <a:off x="5797151" y="8169285"/>
+                  <a:ext cx="287927" cy="400110"/>
                 </a:xfrm>
                 <a:prstGeom prst="rect">
                   <a:avLst/>
@@ -4445,7 +4445,7 @@
                 <a:blipFill>
                   <a:blip r:embed="rId6"/>
                   <a:stretch>
-                    <a:fillRect r="-18750"/>
+                    <a:fillRect r="-65957"/>
                   </a:stretch>
                 </a:blipFill>
               </p:spPr>
@@ -4464,8 +4464,8 @@
             </p:sp>
           </mc:Fallback>
         </mc:AlternateContent>
-        <mc:AlternateContent xmlns:mc="http://schemas.openxmlformats.org/markup-compatibility/2006">
-          <mc:Choice xmlns:a14="http://schemas.microsoft.com/office/drawing/2010/main" Requires="a14">
+        <mc:AlternateContent xmlns:mc="http://schemas.openxmlformats.org/markup-compatibility/2006" xmlns:a14="http://schemas.microsoft.com/office/drawing/2010/main">
+          <mc:Choice Requires="a14">
             <p:sp>
               <p:nvSpPr>
                 <p:cNvPr id="70" name="TextBox 69">
@@ -4480,8 +4480,8 @@
               </p:nvSpPr>
               <p:spPr>
                 <a:xfrm>
-                  <a:off x="2865552" y="6422387"/>
-                  <a:ext cx="315791" cy="300082"/>
+                  <a:off x="2905402" y="6389118"/>
+                  <a:ext cx="315791" cy="400110"/>
                 </a:xfrm>
                 <a:prstGeom prst="rect">
                   <a:avLst/>
@@ -4502,7 +4502,7 @@
                       </m:oMathParaPr>
                       <m:oMath xmlns:m="http://schemas.openxmlformats.org/officeDocument/2006/math">
                         <m:r>
-                          <a:rPr lang="en-US" sz="1350" i="1">
+                          <a:rPr lang="en-US" sz="2000" i="1">
                             <a:solidFill>
                               <a:schemeClr val="tx1">
                                 <a:lumMod val="75000"/>
@@ -4516,7 +4516,7 @@
                       </m:oMath>
                     </m:oMathPara>
                   </a14:m>
-                  <a:endParaRPr lang="en-US" sz="1350" dirty="0">
+                  <a:endParaRPr lang="en-US" sz="2000" dirty="0">
                     <a:solidFill>
                       <a:schemeClr val="tx1">
                         <a:lumMod val="75000"/>
@@ -4528,7 +4528,7 @@
               </p:txBody>
             </p:sp>
           </mc:Choice>
-          <mc:Fallback>
+          <mc:Fallback xmlns="">
             <p:sp>
               <p:nvSpPr>
                 <p:cNvPr id="70" name="TextBox 69">
@@ -4545,8 +4545,8 @@
               </p:nvSpPr>
               <p:spPr>
                 <a:xfrm>
-                  <a:off x="2865552" y="6422387"/>
-                  <a:ext cx="315791" cy="300082"/>
+                  <a:off x="2905402" y="6389118"/>
+                  <a:ext cx="315791" cy="400110"/>
                 </a:xfrm>
                 <a:prstGeom prst="rect">
                   <a:avLst/>
@@ -4554,7 +4554,7 @@
                 <a:blipFill>
                   <a:blip r:embed="rId7"/>
                   <a:stretch>
-                    <a:fillRect/>
+                    <a:fillRect r="-13725"/>
                   </a:stretch>
                 </a:blipFill>
               </p:spPr>
@@ -4573,8 +4573,8 @@
             </p:sp>
           </mc:Fallback>
         </mc:AlternateContent>
-        <mc:AlternateContent xmlns:mc="http://schemas.openxmlformats.org/markup-compatibility/2006">
-          <mc:Choice xmlns:a14="http://schemas.microsoft.com/office/drawing/2010/main" Requires="a14">
+        <mc:AlternateContent xmlns:mc="http://schemas.openxmlformats.org/markup-compatibility/2006" xmlns:a14="http://schemas.microsoft.com/office/drawing/2010/main">
+          <mc:Choice Requires="a14">
             <p:sp>
               <p:nvSpPr>
                 <p:cNvPr id="71" name="TextBox 70">
@@ -4590,7 +4590,7 @@
               <p:spPr>
                 <a:xfrm>
                   <a:off x="4526845" y="7586044"/>
-                  <a:ext cx="288144" cy="300082"/>
+                  <a:ext cx="288144" cy="400110"/>
                 </a:xfrm>
                 <a:prstGeom prst="rect">
                   <a:avLst/>
@@ -4611,7 +4611,7 @@
                       </m:oMathParaPr>
                       <m:oMath xmlns:m="http://schemas.openxmlformats.org/officeDocument/2006/math">
                         <m:r>
-                          <a:rPr lang="en-US" sz="1350" i="1">
+                          <a:rPr lang="en-US" sz="2000" i="1">
                             <a:solidFill>
                               <a:schemeClr val="tx1">
                                 <a:lumMod val="75000"/>
@@ -4625,7 +4625,7 @@
                       </m:oMath>
                     </m:oMathPara>
                   </a14:m>
-                  <a:endParaRPr lang="en-US" sz="1350" dirty="0">
+                  <a:endParaRPr lang="en-US" sz="2000" dirty="0">
                     <a:solidFill>
                       <a:schemeClr val="tx1">
                         <a:lumMod val="75000"/>
@@ -4637,7 +4637,7 @@
               </p:txBody>
             </p:sp>
           </mc:Choice>
-          <mc:Fallback>
+          <mc:Fallback xmlns="">
             <p:sp>
               <p:nvSpPr>
                 <p:cNvPr id="71" name="TextBox 70">
@@ -4655,7 +4655,7 @@
               <p:spPr>
                 <a:xfrm>
                   <a:off x="4526845" y="7586044"/>
-                  <a:ext cx="288144" cy="300082"/>
+                  <a:ext cx="288144" cy="400110"/>
                 </a:xfrm>
                 <a:prstGeom prst="rect">
                   <a:avLst/>
@@ -4663,7 +4663,7 @@
                 <a:blipFill>
                   <a:blip r:embed="rId8"/>
                   <a:stretch>
-                    <a:fillRect/>
+                    <a:fillRect r="-23404"/>
                   </a:stretch>
                 </a:blipFill>
               </p:spPr>
@@ -5507,8 +5507,8 @@
             </a:p>
           </p:txBody>
         </p:sp>
-        <mc:AlternateContent xmlns:mc="http://schemas.openxmlformats.org/markup-compatibility/2006">
-          <mc:Choice xmlns:a14="http://schemas.microsoft.com/office/drawing/2010/main" Requires="a14">
+        <mc:AlternateContent xmlns:mc="http://schemas.openxmlformats.org/markup-compatibility/2006" xmlns:a14="http://schemas.microsoft.com/office/drawing/2010/main">
+          <mc:Choice Requires="a14">
             <p:sp>
               <p:nvSpPr>
                 <p:cNvPr id="46" name="TextBox 45">
@@ -5523,8 +5523,8 @@
               </p:nvSpPr>
               <p:spPr>
                 <a:xfrm>
-                  <a:off x="663481" y="2274679"/>
-                  <a:ext cx="269759" cy="300082"/>
+                  <a:off x="628757" y="2245311"/>
+                  <a:ext cx="269759" cy="400110"/>
                 </a:xfrm>
                 <a:prstGeom prst="rect">
                   <a:avLst/>
@@ -5548,14 +5548,14 @@
                           <m:accPr>
                             <m:chr m:val="̂"/>
                             <m:ctrlPr>
-                              <a:rPr lang="en-US" sz="1350" b="1" i="1">
+                              <a:rPr lang="en-US" sz="2000" b="1" i="1">
                                 <a:latin typeface="Cambria Math" panose="02040503050406030204" pitchFamily="18" charset="0"/>
                               </a:rPr>
                             </m:ctrlPr>
                           </m:accPr>
                           <m:e>
                             <m:r>
-                              <a:rPr lang="en-US" sz="1350" b="1" i="1">
+                              <a:rPr lang="en-US" sz="2000" b="1" i="1">
                                 <a:latin typeface="Cambria Math" panose="02040503050406030204" pitchFamily="18" charset="0"/>
                               </a:rPr>
                               <m:t>𝒙</m:t>
@@ -5565,12 +5565,12 @@
                       </m:oMath>
                     </m:oMathPara>
                   </a14:m>
-                  <a:endParaRPr lang="en-US" sz="1350" b="1" dirty="0"/>
+                  <a:endParaRPr lang="en-US" sz="2000" b="1" dirty="0"/>
                 </a:p>
               </p:txBody>
             </p:sp>
           </mc:Choice>
-          <mc:Fallback>
+          <mc:Fallback xmlns="">
             <p:sp>
               <p:nvSpPr>
                 <p:cNvPr id="46" name="TextBox 45">
@@ -5587,8 +5587,8 @@
               </p:nvSpPr>
               <p:spPr>
                 <a:xfrm>
-                  <a:off x="663481" y="2274679"/>
-                  <a:ext cx="269759" cy="300082"/>
+                  <a:off x="628757" y="2245311"/>
+                  <a:ext cx="269759" cy="400110"/>
                 </a:xfrm>
                 <a:prstGeom prst="rect">
                   <a:avLst/>
@@ -5596,7 +5596,7 @@
                 <a:blipFill>
                   <a:blip r:embed="rId9"/>
                   <a:stretch>
-                    <a:fillRect/>
+                    <a:fillRect l="-2273" t="-7576" r="-13636"/>
                   </a:stretch>
                 </a:blipFill>
               </p:spPr>
@@ -5615,8 +5615,8 @@
             </p:sp>
           </mc:Fallback>
         </mc:AlternateContent>
-        <mc:AlternateContent xmlns:mc="http://schemas.openxmlformats.org/markup-compatibility/2006">
-          <mc:Choice xmlns:a14="http://schemas.microsoft.com/office/drawing/2010/main" Requires="a14">
+        <mc:AlternateContent xmlns:mc="http://schemas.openxmlformats.org/markup-compatibility/2006" xmlns:a14="http://schemas.microsoft.com/office/drawing/2010/main">
+          <mc:Choice Requires="a14">
             <p:sp>
               <p:nvSpPr>
                 <p:cNvPr id="47" name="TextBox 46">
@@ -5631,8 +5631,8 @@
               </p:nvSpPr>
               <p:spPr>
                 <a:xfrm>
-                  <a:off x="4234186" y="4150960"/>
-                  <a:ext cx="303555" cy="300082"/>
+                  <a:off x="4248612" y="4145283"/>
+                  <a:ext cx="303555" cy="400110"/>
                 </a:xfrm>
                 <a:prstGeom prst="rect">
                   <a:avLst/>
@@ -5656,14 +5656,14 @@
                           <m:accPr>
                             <m:chr m:val="̂"/>
                             <m:ctrlPr>
-                              <a:rPr lang="en-US" sz="1350" b="1" i="1">
+                              <a:rPr lang="en-US" sz="2000" b="1" i="1">
                                 <a:latin typeface="Cambria Math" panose="02040503050406030204" pitchFamily="18" charset="0"/>
                               </a:rPr>
                             </m:ctrlPr>
                           </m:accPr>
                           <m:e>
                             <m:r>
-                              <a:rPr lang="en-US" sz="1350" b="1" i="1">
+                              <a:rPr lang="en-US" sz="2000" b="1" i="1">
                                 <a:latin typeface="Cambria Math" panose="02040503050406030204" pitchFamily="18" charset="0"/>
                               </a:rPr>
                               <m:t>𝒚</m:t>
@@ -5673,12 +5673,12 @@
                       </m:oMath>
                     </m:oMathPara>
                   </a14:m>
-                  <a:endParaRPr lang="en-US" sz="1350" b="1" dirty="0"/>
+                  <a:endParaRPr lang="en-US" sz="2000" b="1" dirty="0"/>
                 </a:p>
               </p:txBody>
             </p:sp>
           </mc:Choice>
-          <mc:Fallback>
+          <mc:Fallback xmlns="">
             <p:sp>
               <p:nvSpPr>
                 <p:cNvPr id="47" name="TextBox 46">
@@ -5695,8 +5695,8 @@
               </p:nvSpPr>
               <p:spPr>
                 <a:xfrm>
-                  <a:off x="4234186" y="4150960"/>
-                  <a:ext cx="303555" cy="300082"/>
+                  <a:off x="4248612" y="4145283"/>
+                  <a:ext cx="303555" cy="400110"/>
                 </a:xfrm>
                 <a:prstGeom prst="rect">
                   <a:avLst/>
@@ -5704,7 +5704,7 @@
                 <a:blipFill>
                   <a:blip r:embed="rId10"/>
                   <a:stretch>
-                    <a:fillRect b="-2041"/>
+                    <a:fillRect l="-4000" t="-7576" r="-10000" b="-7576"/>
                   </a:stretch>
                 </a:blipFill>
               </p:spPr>
@@ -5723,8 +5723,8 @@
             </p:sp>
           </mc:Fallback>
         </mc:AlternateContent>
-        <mc:AlternateContent xmlns:mc="http://schemas.openxmlformats.org/markup-compatibility/2006">
-          <mc:Choice xmlns:a14="http://schemas.microsoft.com/office/drawing/2010/main" Requires="a14">
+        <mc:AlternateContent xmlns:mc="http://schemas.openxmlformats.org/markup-compatibility/2006" xmlns:a14="http://schemas.microsoft.com/office/drawing/2010/main">
+          <mc:Choice Requires="a14">
             <p:sp>
               <p:nvSpPr>
                 <p:cNvPr id="48" name="TextBox 47">
@@ -5739,8 +5739,8 @@
               </p:nvSpPr>
               <p:spPr>
                 <a:xfrm>
-                  <a:off x="3857036" y="0"/>
-                  <a:ext cx="303555" cy="300082"/>
+                  <a:off x="3842813" y="-40485"/>
+                  <a:ext cx="303555" cy="400110"/>
                 </a:xfrm>
                 <a:prstGeom prst="rect">
                   <a:avLst/>
@@ -5764,14 +5764,14 @@
                           <m:accPr>
                             <m:chr m:val="̂"/>
                             <m:ctrlPr>
-                              <a:rPr lang="en-US" sz="1350" b="1" i="1">
+                              <a:rPr lang="en-US" sz="2000" b="1" i="1">
                                 <a:latin typeface="Cambria Math" panose="02040503050406030204" pitchFamily="18" charset="0"/>
                               </a:rPr>
                             </m:ctrlPr>
                           </m:accPr>
                           <m:e>
                             <m:r>
-                              <a:rPr lang="en-US" sz="1350" b="1" i="1">
+                              <a:rPr lang="en-US" sz="2000" b="1" i="1">
                                 <a:latin typeface="Cambria Math" panose="02040503050406030204" pitchFamily="18" charset="0"/>
                               </a:rPr>
                               <m:t>𝒛</m:t>
@@ -5781,12 +5781,12 @@
                       </m:oMath>
                     </m:oMathPara>
                   </a14:m>
-                  <a:endParaRPr lang="en-US" sz="1350" b="1" dirty="0"/>
+                  <a:endParaRPr lang="en-US" sz="2000" b="1" dirty="0"/>
                 </a:p>
               </p:txBody>
             </p:sp>
           </mc:Choice>
-          <mc:Fallback>
+          <mc:Fallback xmlns="">
             <p:sp>
               <p:nvSpPr>
                 <p:cNvPr id="48" name="TextBox 47">
@@ -5803,8 +5803,8 @@
               </p:nvSpPr>
               <p:spPr>
                 <a:xfrm>
-                  <a:off x="3857036" y="0"/>
-                  <a:ext cx="303555" cy="300082"/>
+                  <a:off x="3842813" y="-40485"/>
+                  <a:ext cx="303555" cy="400110"/>
                 </a:xfrm>
                 <a:prstGeom prst="rect">
                   <a:avLst/>
@@ -5812,7 +5812,7 @@
                 <a:blipFill>
                   <a:blip r:embed="rId11"/>
                   <a:stretch>
-                    <a:fillRect/>
+                    <a:fillRect t="-7576" r="-10000"/>
                   </a:stretch>
                 </a:blipFill>
               </p:spPr>
@@ -5831,8 +5831,8 @@
             </p:sp>
           </mc:Fallback>
         </mc:AlternateContent>
-        <mc:AlternateContent xmlns:mc="http://schemas.openxmlformats.org/markup-compatibility/2006">
-          <mc:Choice xmlns:a14="http://schemas.microsoft.com/office/drawing/2010/main" Requires="a14">
+        <mc:AlternateContent xmlns:mc="http://schemas.openxmlformats.org/markup-compatibility/2006" xmlns:a14="http://schemas.microsoft.com/office/drawing/2010/main">
+          <mc:Choice Requires="a14">
             <p:sp>
               <p:nvSpPr>
                 <p:cNvPr id="49" name="TextBox 48">
@@ -5847,8 +5847,8 @@
               </p:nvSpPr>
               <p:spPr>
                 <a:xfrm>
-                  <a:off x="662628" y="3039693"/>
-                  <a:ext cx="303555" cy="300082"/>
+                  <a:off x="638431" y="3006873"/>
+                  <a:ext cx="303555" cy="400110"/>
                 </a:xfrm>
                 <a:prstGeom prst="rect">
                   <a:avLst/>
@@ -5872,7 +5872,7 @@
                           <m:accPr>
                             <m:chr m:val="̂"/>
                             <m:ctrlPr>
-                              <a:rPr lang="en-US" sz="1350" b="1" i="1">
+                              <a:rPr lang="en-US" sz="2000" b="1" i="1">
                                 <a:solidFill>
                                   <a:schemeClr val="accent1"/>
                                 </a:solidFill>
@@ -5882,7 +5882,7 @@
                           </m:accPr>
                           <m:e>
                             <m:r>
-                              <a:rPr lang="en-US" sz="1350" b="1" i="1">
+                              <a:rPr lang="en-US" sz="2000" b="1" i="1">
                                 <a:solidFill>
                                   <a:schemeClr val="accent1"/>
                                 </a:solidFill>
@@ -5893,7 +5893,7 @@
                           </m:e>
                         </m:acc>
                         <m:r>
-                          <a:rPr lang="en-US" sz="1350" b="1" i="1">
+                          <a:rPr lang="en-US" sz="2000" b="1" i="1">
                             <a:solidFill>
                               <a:schemeClr val="accent1"/>
                             </a:solidFill>
@@ -5904,7 +5904,7 @@
                       </m:oMath>
                     </m:oMathPara>
                   </a14:m>
-                  <a:endParaRPr lang="en-US" sz="1350" b="1" dirty="0">
+                  <a:endParaRPr lang="en-US" sz="2000" b="1" dirty="0">
                     <a:solidFill>
                       <a:schemeClr val="accent1"/>
                     </a:solidFill>
@@ -5913,7 +5913,7 @@
               </p:txBody>
             </p:sp>
           </mc:Choice>
-          <mc:Fallback>
+          <mc:Fallback xmlns="">
             <p:sp>
               <p:nvSpPr>
                 <p:cNvPr id="49" name="TextBox 48">
@@ -5930,8 +5930,8 @@
               </p:nvSpPr>
               <p:spPr>
                 <a:xfrm>
-                  <a:off x="662628" y="3039693"/>
-                  <a:ext cx="303555" cy="300082"/>
+                  <a:off x="638431" y="3006873"/>
+                  <a:ext cx="303555" cy="400110"/>
                 </a:xfrm>
                 <a:prstGeom prst="rect">
                   <a:avLst/>
@@ -5939,7 +5939,7 @@
                 <a:blipFill>
                   <a:blip r:embed="rId12"/>
                   <a:stretch>
-                    <a:fillRect/>
+                    <a:fillRect l="-4000" t="-7576" r="-32000"/>
                   </a:stretch>
                 </a:blipFill>
               </p:spPr>
@@ -5958,8 +5958,8 @@
             </p:sp>
           </mc:Fallback>
         </mc:AlternateContent>
-        <mc:AlternateContent xmlns:mc="http://schemas.openxmlformats.org/markup-compatibility/2006">
-          <mc:Choice xmlns:a14="http://schemas.microsoft.com/office/drawing/2010/main" Requires="a14">
+        <mc:AlternateContent xmlns:mc="http://schemas.openxmlformats.org/markup-compatibility/2006" xmlns:a14="http://schemas.microsoft.com/office/drawing/2010/main">
+          <mc:Choice Requires="a14">
             <p:sp>
               <p:nvSpPr>
                 <p:cNvPr id="50" name="TextBox 49">
@@ -5974,8 +5974,8 @@
               </p:nvSpPr>
               <p:spPr>
                 <a:xfrm>
-                  <a:off x="5726458" y="3456664"/>
-                  <a:ext cx="204332" cy="300082"/>
+                  <a:off x="5672690" y="3422011"/>
+                  <a:ext cx="204332" cy="400110"/>
                 </a:xfrm>
                 <a:prstGeom prst="rect">
                   <a:avLst/>
@@ -5999,7 +5999,7 @@
                           <m:accPr>
                             <m:chr m:val="̂"/>
                             <m:ctrlPr>
-                              <a:rPr lang="en-US" sz="1350" b="1" i="1">
+                              <a:rPr lang="en-US" sz="2000" b="1" i="1">
                                 <a:solidFill>
                                   <a:schemeClr val="accent1"/>
                                 </a:solidFill>
@@ -6009,7 +6009,7 @@
                           </m:accPr>
                           <m:e>
                             <m:r>
-                              <a:rPr lang="en-US" sz="1350" b="1" i="1">
+                              <a:rPr lang="en-US" sz="2000" b="1" i="1">
                                 <a:solidFill>
                                   <a:schemeClr val="accent1"/>
                                 </a:solidFill>
@@ -6020,7 +6020,7 @@
                           </m:e>
                         </m:acc>
                         <m:r>
-                          <a:rPr lang="en-US" sz="1350" b="1" i="1">
+                          <a:rPr lang="en-US" sz="2000" b="1" i="1">
                             <a:solidFill>
                               <a:schemeClr val="accent1"/>
                             </a:solidFill>
@@ -6031,7 +6031,7 @@
                       </m:oMath>
                     </m:oMathPara>
                   </a14:m>
-                  <a:endParaRPr lang="en-US" sz="1350" b="1" dirty="0">
+                  <a:endParaRPr lang="en-US" sz="2000" b="1" dirty="0">
                     <a:solidFill>
                       <a:schemeClr val="accent1"/>
                     </a:solidFill>
@@ -6040,7 +6040,7 @@
               </p:txBody>
             </p:sp>
           </mc:Choice>
-          <mc:Fallback>
+          <mc:Fallback xmlns="">
             <p:sp>
               <p:nvSpPr>
                 <p:cNvPr id="50" name="TextBox 49">
@@ -6057,8 +6057,8 @@
               </p:nvSpPr>
               <p:spPr>
                 <a:xfrm>
-                  <a:off x="5726458" y="3456664"/>
-                  <a:ext cx="204332" cy="300082"/>
+                  <a:off x="5672690" y="3422011"/>
+                  <a:ext cx="204332" cy="400110"/>
                 </a:xfrm>
                 <a:prstGeom prst="rect">
                   <a:avLst/>
@@ -6066,7 +6066,7 @@
                 <a:blipFill>
                   <a:blip r:embed="rId13"/>
                   <a:stretch>
-                    <a:fillRect r="-47059" b="-2041"/>
+                    <a:fillRect l="-6061" t="-7576" r="-103030" b="-7576"/>
                   </a:stretch>
                 </a:blipFill>
               </p:spPr>
@@ -6085,8 +6085,8 @@
             </p:sp>
           </mc:Fallback>
         </mc:AlternateContent>
-        <mc:AlternateContent xmlns:mc="http://schemas.openxmlformats.org/markup-compatibility/2006">
-          <mc:Choice xmlns:a14="http://schemas.microsoft.com/office/drawing/2010/main" Requires="a14">
+        <mc:AlternateContent xmlns:mc="http://schemas.openxmlformats.org/markup-compatibility/2006" xmlns:a14="http://schemas.microsoft.com/office/drawing/2010/main">
+          <mc:Choice Requires="a14">
             <p:sp>
               <p:nvSpPr>
                 <p:cNvPr id="51" name="TextBox 50">
@@ -6101,8 +6101,8 @@
               </p:nvSpPr>
               <p:spPr>
                 <a:xfrm>
-                  <a:off x="3443113" y="39405"/>
-                  <a:ext cx="303555" cy="300082"/>
+                  <a:off x="3393442" y="4855"/>
+                  <a:ext cx="303555" cy="400110"/>
                 </a:xfrm>
                 <a:prstGeom prst="rect">
                   <a:avLst/>
@@ -6126,7 +6126,7 @@
                           <m:accPr>
                             <m:chr m:val="̂"/>
                             <m:ctrlPr>
-                              <a:rPr lang="en-US" sz="1350" b="1" i="1">
+                              <a:rPr lang="en-US" sz="2000" b="1" i="1">
                                 <a:solidFill>
                                   <a:schemeClr val="accent1"/>
                                 </a:solidFill>
@@ -6136,7 +6136,7 @@
                           </m:accPr>
                           <m:e>
                             <m:r>
-                              <a:rPr lang="en-US" sz="1350" b="1" i="1">
+                              <a:rPr lang="en-US" sz="2000" b="1" i="1">
                                 <a:solidFill>
                                   <a:schemeClr val="accent1"/>
                                 </a:solidFill>
@@ -6147,7 +6147,7 @@
                           </m:e>
                         </m:acc>
                         <m:r>
-                          <a:rPr lang="en-US" sz="1350" b="1" i="1">
+                          <a:rPr lang="en-US" sz="2000" b="1" i="1">
                             <a:solidFill>
                               <a:schemeClr val="accent1"/>
                             </a:solidFill>
@@ -6158,7 +6158,7 @@
                       </m:oMath>
                     </m:oMathPara>
                   </a14:m>
-                  <a:endParaRPr lang="en-US" sz="1350" b="1" dirty="0">
+                  <a:endParaRPr lang="en-US" sz="2000" b="1" dirty="0">
                     <a:solidFill>
                       <a:schemeClr val="accent1"/>
                     </a:solidFill>
@@ -6167,7 +6167,7 @@
               </p:txBody>
             </p:sp>
           </mc:Choice>
-          <mc:Fallback>
+          <mc:Fallback xmlns="">
             <p:sp>
               <p:nvSpPr>
                 <p:cNvPr id="51" name="TextBox 50">
@@ -6184,8 +6184,8 @@
               </p:nvSpPr>
               <p:spPr>
                 <a:xfrm>
-                  <a:off x="3443113" y="39405"/>
-                  <a:ext cx="303555" cy="300082"/>
+                  <a:off x="3393442" y="4855"/>
+                  <a:ext cx="303555" cy="400110"/>
                 </a:xfrm>
                 <a:prstGeom prst="rect">
                   <a:avLst/>
@@ -6193,7 +6193,7 @@
                 <a:blipFill>
                   <a:blip r:embed="rId14"/>
                   <a:stretch>
-                    <a:fillRect/>
+                    <a:fillRect t="-7692" r="-30612"/>
                   </a:stretch>
                 </a:blipFill>
               </p:spPr>
@@ -6398,8 +6398,8 @@
           </p:nvSpPr>
           <p:spPr>
             <a:xfrm>
-              <a:off x="3096786" y="7273075"/>
-              <a:ext cx="288023" cy="300082"/>
+              <a:off x="3062873" y="7223126"/>
+              <a:ext cx="288023" cy="400110"/>
             </a:xfrm>
             <a:prstGeom prst="rect">
               <a:avLst/>
@@ -6413,7 +6413,7 @@
             <a:lstStyle/>
             <a:p>
               <a:r>
-                <a:rPr lang="el-GR" sz="1350" dirty="0">
+                <a:rPr lang="el-GR" sz="2000" dirty="0">
                   <a:solidFill>
                     <a:schemeClr val="tx1">
                       <a:lumMod val="65000"/>
@@ -6421,9 +6421,9 @@
                     </a:schemeClr>
                   </a:solidFill>
                 </a:rPr>
-                <a:t>θ</a:t>
+                <a:t>β</a:t>
               </a:r>
-              <a:endParaRPr lang="en-US" sz="1350" dirty="0">
+              <a:endParaRPr lang="en-US" sz="2000" dirty="0">
                 <a:solidFill>
                   <a:schemeClr val="tx1">
                     <a:lumMod val="65000"/>
@@ -6448,8 +6448,8 @@
           </p:nvSpPr>
           <p:spPr>
             <a:xfrm>
-              <a:off x="2733532" y="2267283"/>
-              <a:ext cx="240900" cy="300082"/>
+              <a:off x="2600340" y="2235980"/>
+              <a:ext cx="240900" cy="400110"/>
             </a:xfrm>
             <a:prstGeom prst="rect">
               <a:avLst/>
@@ -6463,7 +6463,7 @@
             <a:lstStyle/>
             <a:p>
               <a:r>
-                <a:rPr lang="el-GR" sz="1350" dirty="0">
+                <a:rPr lang="el-GR" sz="2000" dirty="0">
                   <a:solidFill>
                     <a:schemeClr val="tx1">
                       <a:lumMod val="65000"/>
@@ -6471,9 +6471,9 @@
                     </a:schemeClr>
                   </a:solidFill>
                 </a:rPr>
-                <a:t>θ</a:t>
+                <a:t>β</a:t>
               </a:r>
-              <a:endParaRPr lang="en-US" sz="1350" dirty="0">
+              <a:endParaRPr lang="en-US" sz="2000" dirty="0">
                 <a:solidFill>
                   <a:schemeClr val="tx1">
                     <a:lumMod val="65000"/>
